--- a/figures/results-critical_trials.pptx
+++ b/figures/results-critical_trials.pptx
@@ -270,7 +270,7 @@
           <a:p>
             <a:fld id="{4AF163FB-58AD-9041-B5E0-0B6ADF6C9CF0}" type="datetimeFigureOut">
               <a:rPr lang="en-US" smtClean="0"/>
-              <a:t>1/17/22</a:t>
+              <a:t>1/24/22</a:t>
             </a:fld>
             <a:endParaRPr lang="en-US"/>
           </a:p>
@@ -468,7 +468,7 @@
           <a:p>
             <a:fld id="{4AF163FB-58AD-9041-B5E0-0B6ADF6C9CF0}" type="datetimeFigureOut">
               <a:rPr lang="en-US" smtClean="0"/>
-              <a:t>1/17/22</a:t>
+              <a:t>1/24/22</a:t>
             </a:fld>
             <a:endParaRPr lang="en-US"/>
           </a:p>
@@ -676,7 +676,7 @@
           <a:p>
             <a:fld id="{4AF163FB-58AD-9041-B5E0-0B6ADF6C9CF0}" type="datetimeFigureOut">
               <a:rPr lang="en-US" smtClean="0"/>
-              <a:t>1/17/22</a:t>
+              <a:t>1/24/22</a:t>
             </a:fld>
             <a:endParaRPr lang="en-US"/>
           </a:p>
@@ -874,7 +874,7 @@
           <a:p>
             <a:fld id="{4AF163FB-58AD-9041-B5E0-0B6ADF6C9CF0}" type="datetimeFigureOut">
               <a:rPr lang="en-US" smtClean="0"/>
-              <a:t>1/17/22</a:t>
+              <a:t>1/24/22</a:t>
             </a:fld>
             <a:endParaRPr lang="en-US"/>
           </a:p>
@@ -1149,7 +1149,7 @@
           <a:p>
             <a:fld id="{4AF163FB-58AD-9041-B5E0-0B6ADF6C9CF0}" type="datetimeFigureOut">
               <a:rPr lang="en-US" smtClean="0"/>
-              <a:t>1/17/22</a:t>
+              <a:t>1/24/22</a:t>
             </a:fld>
             <a:endParaRPr lang="en-US"/>
           </a:p>
@@ -1414,7 +1414,7 @@
           <a:p>
             <a:fld id="{4AF163FB-58AD-9041-B5E0-0B6ADF6C9CF0}" type="datetimeFigureOut">
               <a:rPr lang="en-US" smtClean="0"/>
-              <a:t>1/17/22</a:t>
+              <a:t>1/24/22</a:t>
             </a:fld>
             <a:endParaRPr lang="en-US"/>
           </a:p>
@@ -1826,7 +1826,7 @@
           <a:p>
             <a:fld id="{4AF163FB-58AD-9041-B5E0-0B6ADF6C9CF0}" type="datetimeFigureOut">
               <a:rPr lang="en-US" smtClean="0"/>
-              <a:t>1/17/22</a:t>
+              <a:t>1/24/22</a:t>
             </a:fld>
             <a:endParaRPr lang="en-US"/>
           </a:p>
@@ -1967,7 +1967,7 @@
           <a:p>
             <a:fld id="{4AF163FB-58AD-9041-B5E0-0B6ADF6C9CF0}" type="datetimeFigureOut">
               <a:rPr lang="en-US" smtClean="0"/>
-              <a:t>1/17/22</a:t>
+              <a:t>1/24/22</a:t>
             </a:fld>
             <a:endParaRPr lang="en-US"/>
           </a:p>
@@ -2080,7 +2080,7 @@
           <a:p>
             <a:fld id="{4AF163FB-58AD-9041-B5E0-0B6ADF6C9CF0}" type="datetimeFigureOut">
               <a:rPr lang="en-US" smtClean="0"/>
-              <a:t>1/17/22</a:t>
+              <a:t>1/24/22</a:t>
             </a:fld>
             <a:endParaRPr lang="en-US"/>
           </a:p>
@@ -2391,7 +2391,7 @@
           <a:p>
             <a:fld id="{4AF163FB-58AD-9041-B5E0-0B6ADF6C9CF0}" type="datetimeFigureOut">
               <a:rPr lang="en-US" smtClean="0"/>
-              <a:t>1/17/22</a:t>
+              <a:t>1/24/22</a:t>
             </a:fld>
             <a:endParaRPr lang="en-US"/>
           </a:p>
@@ -2679,7 +2679,7 @@
           <a:p>
             <a:fld id="{4AF163FB-58AD-9041-B5E0-0B6ADF6C9CF0}" type="datetimeFigureOut">
               <a:rPr lang="en-US" smtClean="0"/>
-              <a:t>1/17/22</a:t>
+              <a:t>1/24/22</a:t>
             </a:fld>
             <a:endParaRPr lang="en-US"/>
           </a:p>
@@ -2920,7 +2920,7 @@
           <a:p>
             <a:fld id="{4AF163FB-58AD-9041-B5E0-0B6ADF6C9CF0}" type="datetimeFigureOut">
               <a:rPr lang="en-US" smtClean="0"/>
-              <a:t>1/17/22</a:t>
+              <a:t>1/24/22</a:t>
             </a:fld>
             <a:endParaRPr lang="en-US"/>
           </a:p>
@@ -3339,10 +3339,10 @@
       </p:grpSpPr>
       <p:pic>
         <p:nvPicPr>
-          <p:cNvPr id="5" name="Picture 4">
-            <a:extLst>
-              <a:ext uri="{FF2B5EF4-FFF2-40B4-BE49-F238E27FC236}">
-                <a16:creationId xmlns:a16="http://schemas.microsoft.com/office/drawing/2014/main" id="{ECC8DD09-E36F-FC40-BF9A-DA84DA6E4BE2}"/>
+          <p:cNvPr id="4" name="Picture 3">
+            <a:extLst>
+              <a:ext uri="{FF2B5EF4-FFF2-40B4-BE49-F238E27FC236}">
+                <a16:creationId xmlns:a16="http://schemas.microsoft.com/office/drawing/2014/main" id="{0433C422-8655-044E-9B28-44E90C9391B8}"/>
               </a:ext>
             </a:extLst>
           </p:cNvPr>
@@ -3359,8 +3359,8 @@
         </p:blipFill>
         <p:spPr>
           <a:xfrm>
-            <a:off x="46892" y="1549894"/>
-            <a:ext cx="5943600" cy="3772423"/>
+            <a:off x="101600" y="127000"/>
+            <a:ext cx="8013700" cy="3187700"/>
           </a:xfrm>
           <a:prstGeom prst="rect">
             <a:avLst/>
@@ -3369,10 +3369,10 @@
       </p:pic>
       <p:pic>
         <p:nvPicPr>
-          <p:cNvPr id="7" name="Picture 6">
-            <a:extLst>
-              <a:ext uri="{FF2B5EF4-FFF2-40B4-BE49-F238E27FC236}">
-                <a16:creationId xmlns:a16="http://schemas.microsoft.com/office/drawing/2014/main" id="{B9546ED6-46EF-6D48-B8BB-0E54BEF78435}"/>
+          <p:cNvPr id="6" name="Picture 5">
+            <a:extLst>
+              <a:ext uri="{FF2B5EF4-FFF2-40B4-BE49-F238E27FC236}">
+                <a16:creationId xmlns:a16="http://schemas.microsoft.com/office/drawing/2014/main" id="{EA35DB83-8FFD-C345-8203-50558C900832}"/>
               </a:ext>
             </a:extLst>
           </p:cNvPr>
@@ -3389,8 +3389,8 @@
         </p:blipFill>
         <p:spPr>
           <a:xfrm>
-            <a:off x="6201508" y="1492231"/>
-            <a:ext cx="5943600" cy="3896983"/>
+            <a:off x="101600" y="3449515"/>
+            <a:ext cx="8115300" cy="3225800"/>
           </a:xfrm>
           <a:prstGeom prst="rect">
             <a:avLst/>
